--- a/CodeHustle PPT.pptx
+++ b/CodeHustle PPT.pptx
@@ -1338,7 +1338,7 @@
           <a:p>
             <a:fld id="{1EB2015A-B431-479E-A47F-6FBF3C59491A}" type="datetimeFigureOut">
               <a:rPr lang="en-IN" smtClean="0"/>
-              <a:t>25-06-2021</a:t>
+              <a:t>28-06-2021</a:t>
             </a:fld>
             <a:endParaRPr lang="en-IN"/>
           </a:p>
@@ -1584,7 +1584,7 @@
           <a:p>
             <a:fld id="{1EB2015A-B431-479E-A47F-6FBF3C59491A}" type="datetimeFigureOut">
               <a:rPr lang="en-IN" smtClean="0"/>
-              <a:t>25-06-2021</a:t>
+              <a:t>28-06-2021</a:t>
             </a:fld>
             <a:endParaRPr lang="en-IN"/>
           </a:p>
@@ -1889,7 +1889,7 @@
           <a:p>
             <a:fld id="{1EB2015A-B431-479E-A47F-6FBF3C59491A}" type="datetimeFigureOut">
               <a:rPr lang="en-IN" smtClean="0"/>
-              <a:t>25-06-2021</a:t>
+              <a:t>28-06-2021</a:t>
             </a:fld>
             <a:endParaRPr lang="en-IN"/>
           </a:p>
@@ -2225,7 +2225,7 @@
           <a:p>
             <a:fld id="{1EB2015A-B431-479E-A47F-6FBF3C59491A}" type="datetimeFigureOut">
               <a:rPr lang="en-IN" smtClean="0"/>
-              <a:t>25-06-2021</a:t>
+              <a:t>28-06-2021</a:t>
             </a:fld>
             <a:endParaRPr lang="en-IN"/>
           </a:p>
@@ -2530,7 +2530,7 @@
           <a:p>
             <a:fld id="{1EB2015A-B431-479E-A47F-6FBF3C59491A}" type="datetimeFigureOut">
               <a:rPr lang="en-IN" smtClean="0"/>
-              <a:t>25-06-2021</a:t>
+              <a:t>28-06-2021</a:t>
             </a:fld>
             <a:endParaRPr lang="en-IN"/>
           </a:p>
@@ -2914,7 +2914,7 @@
           <a:p>
             <a:fld id="{1EB2015A-B431-479E-A47F-6FBF3C59491A}" type="datetimeFigureOut">
               <a:rPr lang="en-IN" smtClean="0"/>
-              <a:t>25-06-2021</a:t>
+              <a:t>28-06-2021</a:t>
             </a:fld>
             <a:endParaRPr lang="en-IN"/>
           </a:p>
@@ -3079,7 +3079,7 @@
           <a:p>
             <a:fld id="{1EB2015A-B431-479E-A47F-6FBF3C59491A}" type="datetimeFigureOut">
               <a:rPr lang="en-IN" smtClean="0"/>
-              <a:t>25-06-2021</a:t>
+              <a:t>28-06-2021</a:t>
             </a:fld>
             <a:endParaRPr lang="en-IN"/>
           </a:p>
@@ -3254,7 +3254,7 @@
           <a:p>
             <a:fld id="{1EB2015A-B431-479E-A47F-6FBF3C59491A}" type="datetimeFigureOut">
               <a:rPr lang="en-IN" smtClean="0"/>
-              <a:t>25-06-2021</a:t>
+              <a:t>28-06-2021</a:t>
             </a:fld>
             <a:endParaRPr lang="en-IN"/>
           </a:p>
@@ -3425,7 +3425,7 @@
           <a:p>
             <a:fld id="{1EB2015A-B431-479E-A47F-6FBF3C59491A}" type="datetimeFigureOut">
               <a:rPr lang="en-IN" smtClean="0"/>
-              <a:t>25-06-2021</a:t>
+              <a:t>28-06-2021</a:t>
             </a:fld>
             <a:endParaRPr lang="en-IN"/>
           </a:p>
@@ -3667,7 +3667,7 @@
           <a:p>
             <a:fld id="{1EB2015A-B431-479E-A47F-6FBF3C59491A}" type="datetimeFigureOut">
               <a:rPr lang="en-IN" smtClean="0"/>
-              <a:t>25-06-2021</a:t>
+              <a:t>28-06-2021</a:t>
             </a:fld>
             <a:endParaRPr lang="en-IN"/>
           </a:p>
@@ -3894,7 +3894,7 @@
           <a:p>
             <a:fld id="{1EB2015A-B431-479E-A47F-6FBF3C59491A}" type="datetimeFigureOut">
               <a:rPr lang="en-IN" smtClean="0"/>
-              <a:t>25-06-2021</a:t>
+              <a:t>28-06-2021</a:t>
             </a:fld>
             <a:endParaRPr lang="en-IN"/>
           </a:p>
@@ -4259,7 +4259,7 @@
           <a:p>
             <a:fld id="{1EB2015A-B431-479E-A47F-6FBF3C59491A}" type="datetimeFigureOut">
               <a:rPr lang="en-IN" smtClean="0"/>
-              <a:t>25-06-2021</a:t>
+              <a:t>28-06-2021</a:t>
             </a:fld>
             <a:endParaRPr lang="en-IN"/>
           </a:p>
@@ -4377,7 +4377,7 @@
           <a:p>
             <a:fld id="{1EB2015A-B431-479E-A47F-6FBF3C59491A}" type="datetimeFigureOut">
               <a:rPr lang="en-IN" smtClean="0"/>
-              <a:t>25-06-2021</a:t>
+              <a:t>28-06-2021</a:t>
             </a:fld>
             <a:endParaRPr lang="en-IN"/>
           </a:p>
@@ -4467,7 +4467,7 @@
           <a:p>
             <a:fld id="{1EB2015A-B431-479E-A47F-6FBF3C59491A}" type="datetimeFigureOut">
               <a:rPr lang="en-IN" smtClean="0"/>
-              <a:t>25-06-2021</a:t>
+              <a:t>28-06-2021</a:t>
             </a:fld>
             <a:endParaRPr lang="en-IN"/>
           </a:p>
@@ -4717,7 +4717,7 @@
           <a:p>
             <a:fld id="{1EB2015A-B431-479E-A47F-6FBF3C59491A}" type="datetimeFigureOut">
               <a:rPr lang="en-IN" smtClean="0"/>
-              <a:t>25-06-2021</a:t>
+              <a:t>28-06-2021</a:t>
             </a:fld>
             <a:endParaRPr lang="en-IN"/>
           </a:p>
@@ -4975,7 +4975,7 @@
           <a:p>
             <a:fld id="{1EB2015A-B431-479E-A47F-6FBF3C59491A}" type="datetimeFigureOut">
               <a:rPr lang="en-IN" smtClean="0"/>
-              <a:t>25-06-2021</a:t>
+              <a:t>28-06-2021</a:t>
             </a:fld>
             <a:endParaRPr lang="en-IN"/>
           </a:p>
@@ -5717,7 +5717,7 @@
           <a:p>
             <a:fld id="{1EB2015A-B431-479E-A47F-6FBF3C59491A}" type="datetimeFigureOut">
               <a:rPr lang="en-IN" smtClean="0"/>
-              <a:t>25-06-2021</a:t>
+              <a:t>28-06-2021</a:t>
             </a:fld>
             <a:endParaRPr lang="en-IN"/>
           </a:p>
@@ -7986,23 +7986,7 @@
                   <a:srgbClr val="002060"/>
                 </a:solidFill>
               </a:rPr>
-              <a:t> Mr .C. H. </a:t>
-            </a:r>
-            <a:r>
-              <a:rPr lang="en-US" sz="3100" b="1" dirty="0" smtClean="0">
-                <a:solidFill>
-                  <a:srgbClr val="002060"/>
-                </a:solidFill>
-              </a:rPr>
-              <a:t>Kamble</a:t>
-            </a:r>
-            <a:r>
-              <a:rPr lang="en-US" sz="3100" b="1" dirty="0" smtClean="0">
-                <a:solidFill>
-                  <a:srgbClr val="002060"/>
-                </a:solidFill>
-              </a:rPr>
-              <a:t> </a:t>
+              <a:t> Mr .C. H. Kamble </a:t>
             </a:r>
             <a:r>
               <a:rPr lang="en-US" sz="3100" b="1" dirty="0">
@@ -8551,7 +8535,7 @@
         <p:spPr>
           <a:xfrm>
             <a:off x="813811" y="568657"/>
-            <a:ext cx="8596668" cy="1320800"/>
+            <a:ext cx="8596668" cy="1190870"/>
           </a:xfrm>
           <a:ln>
             <a:noFill/>
@@ -8627,9 +8611,12 @@
             </a:pPr>
             <a:r>
               <a:rPr lang="en-US" sz="2400" dirty="0"/>
-              <a:t>The technological development trend in software engineering has been improving, where the design of software began to move from the desktop to the web. </a:t>
-            </a:r>
-            <a:endParaRPr lang="en-US" sz="2400" dirty="0" smtClean="0"/>
+              <a:t>This website will help students to interactively learn a new course, allow course experts/teachers to publish assignments on different languages or to create aptitude tests</a:t>
+            </a:r>
+            <a:r>
+              <a:rPr lang="en-US" sz="2400" dirty="0" smtClean="0"/>
+              <a:t>.</a:t>
+            </a:r>
           </a:p>
           <a:p>
             <a:pPr>
@@ -8637,8 +8624,42 @@
               <a:buChar char="Ø"/>
             </a:pPr>
             <a:r>
+              <a:rPr lang="en-US" sz="2400" dirty="0" smtClean="0"/>
+              <a:t>The </a:t>
+            </a:r>
+            <a:r>
               <a:rPr lang="en-US" sz="2400" dirty="0"/>
-              <a:t>Students learn to take advantage of the unique resources available for those enrolled in internet-based programs and to make the most of their Web-based educational experience by tailoring it to their personal strengths, needs, and learning styles. </a:t>
+              <a:t>objective of the project is to build a web-based solution which will help programmers to learn and interact with fellow </a:t>
+            </a:r>
+            <a:r>
+              <a:rPr lang="en-US" sz="2400" dirty="0" smtClean="0"/>
+              <a:t>programmers,</a:t>
+            </a:r>
+            <a:r>
+              <a:rPr lang="en-US" sz="2400" dirty="0"/>
+              <a:t> </a:t>
+            </a:r>
+            <a:r>
+              <a:rPr lang="en-US" sz="2400" dirty="0" smtClean="0"/>
+              <a:t>the </a:t>
+            </a:r>
+            <a:r>
+              <a:rPr lang="en-US" sz="2400" dirty="0"/>
+              <a:t>online interaction platform for discussion was built and backed in firebase (Database). </a:t>
+            </a:r>
+          </a:p>
+          <a:p>
+            <a:pPr>
+              <a:buFont typeface="Wingdings" pitchFamily="2" charset="2"/>
+              <a:buChar char="Ø"/>
+            </a:pPr>
+            <a:r>
+              <a:rPr lang="en-US" sz="2400" dirty="0" smtClean="0"/>
+              <a:t>We </a:t>
+            </a:r>
+            <a:r>
+              <a:rPr lang="en-US" sz="2400" dirty="0"/>
+              <a:t>have introduced hand-picked coding questions for preparation of technical rounds. </a:t>
             </a:r>
             <a:endParaRPr lang="en-US" sz="2200" dirty="0">
               <a:solidFill>
@@ -8651,22 +8672,6 @@
               <a:buFont typeface="Wingdings" pitchFamily="2" charset="2"/>
               <a:buChar char="Ø"/>
             </a:pPr>
-            <a:r>
-              <a:rPr lang="en-US" sz="2400" dirty="0"/>
-              <a:t>Thus, the objective of the project is to build a web-based solution which will help programmers to learn and interact with fellow programmers, this platform will provide all the important preparation resources which are required for succeeding in an </a:t>
-            </a:r>
-            <a:r>
-              <a:rPr lang="en-US" sz="2400" dirty="0" smtClean="0"/>
-              <a:t>interview</a:t>
-            </a:r>
-            <a:r>
-              <a:rPr lang="en-US" sz="2200" dirty="0">
-                <a:solidFill>
-                  <a:schemeClr val="tx1"/>
-                </a:solidFill>
-              </a:rPr>
-              <a:t>.</a:t>
-            </a:r>
             <a:endParaRPr lang="en-IN" sz="2200" dirty="0">
               <a:solidFill>
                 <a:schemeClr val="tx1"/>
@@ -8797,7 +8802,7 @@
         </p:spPr>
         <p:txBody>
           <a:bodyPr>
-            <a:normAutofit fontScale="85000" lnSpcReduction="20000"/>
+            <a:normAutofit fontScale="92500" lnSpcReduction="10000"/>
           </a:bodyPr>
           <a:lstStyle/>
           <a:p>
@@ -8807,7 +8812,15 @@
             </a:pPr>
             <a:r>
               <a:rPr lang="en-US" sz="2400" dirty="0"/>
-              <a:t>Existing System consists of only the theoretical resources which are not organized well and the students get confused over which platform is best for learning. </a:t>
+              <a:t>Existing System consists of only the theoretical resources which are not organized well </a:t>
+            </a:r>
+            <a:r>
+              <a:rPr lang="en-US" sz="2400" dirty="0" smtClean="0"/>
+              <a:t>&amp; the </a:t>
+            </a:r>
+            <a:r>
+              <a:rPr lang="en-US" sz="2400" dirty="0"/>
+              <a:t>students get confused over which platform is best for learning. </a:t>
             </a:r>
             <a:endParaRPr lang="en-US" sz="2200" dirty="0">
               <a:solidFill>
@@ -8832,7 +8845,23 @@
             </a:pPr>
             <a:r>
               <a:rPr lang="en-US" sz="2400" dirty="0"/>
-              <a:t>The major issue in today’s incompetence of coding rounds among students is not enough practice of medium to hard level programming </a:t>
+              <a:t>The major issue in today’s </a:t>
+            </a:r>
+            <a:r>
+              <a:rPr lang="en-US" sz="2400" dirty="0" smtClean="0"/>
+              <a:t>inability </a:t>
+            </a:r>
+            <a:r>
+              <a:rPr lang="en-US" sz="2400" dirty="0"/>
+              <a:t>of coding </a:t>
+            </a:r>
+            <a:r>
+              <a:rPr lang="en-US" sz="2400" dirty="0" smtClean="0"/>
+              <a:t>among </a:t>
+            </a:r>
+            <a:r>
+              <a:rPr lang="en-US" sz="2400" dirty="0"/>
+              <a:t>students is not enough practice of medium to hard level programming </a:t>
             </a:r>
             <a:r>
               <a:rPr lang="en-US" sz="2400" dirty="0" smtClean="0"/>
@@ -8840,7 +8869,31 @@
             </a:r>
             <a:r>
               <a:rPr lang="en-US" sz="2400" dirty="0"/>
-              <a:t> But it can be solved by peer-programming and CodeHustle is specially designed with a large variety of programming questions, where the complexity is in ascending and the students will be able to gradually hone their logical and algorithmic skills. </a:t>
+              <a:t> But it can be solved </a:t>
+            </a:r>
+            <a:r>
+              <a:rPr lang="en-US" sz="2400" dirty="0" smtClean="0"/>
+              <a:t>in CodeHustle here there is large </a:t>
+            </a:r>
+            <a:r>
+              <a:rPr lang="en-US" sz="2400" dirty="0"/>
+              <a:t>variety of programming questions, where the complexity is in ascending </a:t>
+            </a:r>
+            <a:r>
+              <a:rPr lang="en-US" sz="2400" dirty="0" smtClean="0"/>
+              <a:t>the </a:t>
+            </a:r>
+            <a:r>
+              <a:rPr lang="en-US" sz="2400" dirty="0"/>
+              <a:t>students will be able to gradually </a:t>
+            </a:r>
+            <a:r>
+              <a:rPr lang="en-US" sz="2400" dirty="0" smtClean="0"/>
+              <a:t>grew up logical </a:t>
+            </a:r>
+            <a:r>
+              <a:rPr lang="en-US" sz="2400" dirty="0"/>
+              <a:t>and algorithmic skills. </a:t>
             </a:r>
             <a:endParaRPr lang="en-US" sz="2400" dirty="0" smtClean="0"/>
           </a:p>
@@ -8851,7 +8904,39 @@
             </a:pPr>
             <a:r>
               <a:rPr lang="en-US" sz="2400" dirty="0"/>
-              <a:t>The second issue is aptitude preparation, in the existing system students surf through internet for aptitude questions where they just read the questions and see the answer, this is not a good learning method as they don’t solve the questions themselves and thus they are unaware of their own capability. CodeHustle have a quiz section where the mentors can create aptitude tests and students can solve them as they please. This feature will allow to monitor their results and the progression as </a:t>
+              <a:t>The second issue is aptitude </a:t>
+            </a:r>
+            <a:r>
+              <a:rPr lang="en-US" sz="2400" dirty="0" smtClean="0"/>
+              <a:t>preparation  &amp; the CodeHustle has </a:t>
+            </a:r>
+            <a:r>
+              <a:rPr lang="en-US" sz="2400" dirty="0"/>
+              <a:t>a quiz section where the mentors can create aptitude tests </a:t>
+            </a:r>
+            <a:r>
+              <a:rPr lang="en-US" sz="2400" dirty="0" smtClean="0"/>
+              <a:t>&amp; students </a:t>
+            </a:r>
+            <a:r>
+              <a:rPr lang="en-US" sz="2400" dirty="0"/>
+              <a:t>can solve them .</a:t>
+            </a:r>
+            <a:r>
+              <a:rPr lang="en-US" sz="2400" dirty="0" smtClean="0"/>
+              <a:t>This </a:t>
+            </a:r>
+            <a:r>
+              <a:rPr lang="en-US" sz="2400" dirty="0"/>
+              <a:t>feature will allow to monitor their </a:t>
+            </a:r>
+            <a:r>
+              <a:rPr lang="en-US" sz="2400" dirty="0" smtClean="0"/>
+              <a:t>results &amp; </a:t>
+            </a:r>
+            <a:r>
+              <a:rPr lang="en-US" sz="2400" dirty="0"/>
+              <a:t>the progression as </a:t>
             </a:r>
             <a:r>
               <a:rPr lang="en-US" sz="2400" dirty="0" smtClean="0"/>
@@ -8861,7 +8946,6 @@
               <a:rPr lang="en-US" sz="2400" dirty="0"/>
               <a:t>.</a:t>
             </a:r>
-            <a:endParaRPr lang="en-US" sz="2400" dirty="0"/>
           </a:p>
         </p:txBody>
       </p:sp>
